--- a/Daily Agendas/Day03.3_OhmsLawLab.pptx
+++ b/Daily Agendas/Day03.3_OhmsLawLab.pptx
@@ -303,7 +303,7 @@
             <a:fld id="{1D8BD707-D9CF-40AE-B4C6-C98DA3205C09}" type="datetimeFigureOut">
               <a:rPr lang="en-US" smtClean="0"/>
               <a:pPr/>
-              <a:t>2/18/2020</a:t>
+              <a:t>2/23/2020</a:t>
             </a:fld>
             <a:endParaRPr lang="en-US"/>
           </a:p>
@@ -468,7 +468,7 @@
             <a:fld id="{1D8BD707-D9CF-40AE-B4C6-C98DA3205C09}" type="datetimeFigureOut">
               <a:rPr lang="en-US" smtClean="0"/>
               <a:pPr/>
-              <a:t>2/18/2020</a:t>
+              <a:t>2/23/2020</a:t>
             </a:fld>
             <a:endParaRPr lang="en-US"/>
           </a:p>
@@ -643,7 +643,7 @@
             <a:fld id="{1D8BD707-D9CF-40AE-B4C6-C98DA3205C09}" type="datetimeFigureOut">
               <a:rPr lang="en-US" smtClean="0"/>
               <a:pPr/>
-              <a:t>2/18/2020</a:t>
+              <a:t>2/23/2020</a:t>
             </a:fld>
             <a:endParaRPr lang="en-US"/>
           </a:p>
@@ -808,7 +808,7 @@
             <a:fld id="{1D8BD707-D9CF-40AE-B4C6-C98DA3205C09}" type="datetimeFigureOut">
               <a:rPr lang="en-US" smtClean="0"/>
               <a:pPr/>
-              <a:t>2/18/2020</a:t>
+              <a:t>2/23/2020</a:t>
             </a:fld>
             <a:endParaRPr lang="en-US"/>
           </a:p>
@@ -1050,7 +1050,7 @@
             <a:fld id="{1D8BD707-D9CF-40AE-B4C6-C98DA3205C09}" type="datetimeFigureOut">
               <a:rPr lang="en-US" smtClean="0"/>
               <a:pPr/>
-              <a:t>2/18/2020</a:t>
+              <a:t>2/23/2020</a:t>
             </a:fld>
             <a:endParaRPr lang="en-US"/>
           </a:p>
@@ -1332,7 +1332,7 @@
             <a:fld id="{1D8BD707-D9CF-40AE-B4C6-C98DA3205C09}" type="datetimeFigureOut">
               <a:rPr lang="en-US" smtClean="0"/>
               <a:pPr/>
-              <a:t>2/18/2020</a:t>
+              <a:t>2/23/2020</a:t>
             </a:fld>
             <a:endParaRPr lang="en-US"/>
           </a:p>
@@ -1748,7 +1748,7 @@
             <a:fld id="{1D8BD707-D9CF-40AE-B4C6-C98DA3205C09}" type="datetimeFigureOut">
               <a:rPr lang="en-US" smtClean="0"/>
               <a:pPr/>
-              <a:t>2/18/2020</a:t>
+              <a:t>2/23/2020</a:t>
             </a:fld>
             <a:endParaRPr lang="en-US"/>
           </a:p>
@@ -1862,7 +1862,7 @@
             <a:fld id="{1D8BD707-D9CF-40AE-B4C6-C98DA3205C09}" type="datetimeFigureOut">
               <a:rPr lang="en-US" smtClean="0"/>
               <a:pPr/>
-              <a:t>2/18/2020</a:t>
+              <a:t>2/23/2020</a:t>
             </a:fld>
             <a:endParaRPr lang="en-US"/>
           </a:p>
@@ -1954,7 +1954,7 @@
             <a:fld id="{1D8BD707-D9CF-40AE-B4C6-C98DA3205C09}" type="datetimeFigureOut">
               <a:rPr lang="en-US" smtClean="0"/>
               <a:pPr/>
-              <a:t>2/18/2020</a:t>
+              <a:t>2/23/2020</a:t>
             </a:fld>
             <a:endParaRPr lang="en-US"/>
           </a:p>
@@ -2226,7 +2226,7 @@
             <a:fld id="{1D8BD707-D9CF-40AE-B4C6-C98DA3205C09}" type="datetimeFigureOut">
               <a:rPr lang="en-US" smtClean="0"/>
               <a:pPr/>
-              <a:t>2/18/2020</a:t>
+              <a:t>2/23/2020</a:t>
             </a:fld>
             <a:endParaRPr lang="en-US"/>
           </a:p>
@@ -2475,7 +2475,7 @@
             <a:fld id="{1D8BD707-D9CF-40AE-B4C6-C98DA3205C09}" type="datetimeFigureOut">
               <a:rPr lang="en-US" smtClean="0"/>
               <a:pPr/>
-              <a:t>2/18/2020</a:t>
+              <a:t>2/23/2020</a:t>
             </a:fld>
             <a:endParaRPr lang="en-US"/>
           </a:p>
@@ -2683,7 +2683,7 @@
             <a:fld id="{1D8BD707-D9CF-40AE-B4C6-C98DA3205C09}" type="datetimeFigureOut">
               <a:rPr lang="en-US" smtClean="0"/>
               <a:pPr/>
-              <a:t>2/18/2020</a:t>
+              <a:t>2/23/2020</a:t>
             </a:fld>
             <a:endParaRPr lang="en-US"/>
           </a:p>
@@ -3072,19 +3072,15 @@
           <a:lstStyle/>
           <a:p>
             <a:r>
-              <a:rPr lang="en-US" dirty="0" smtClean="0"/>
+              <a:rPr lang="en-US" dirty="0"/>
               <a:t>Ohm's Law Lab – Feb 19</a:t>
             </a:r>
-            <a:r>
-              <a:rPr lang="en-US" dirty="0"/>
-              <a:t/>
-            </a:r>
             <a:br>
-              <a:rPr lang="en-US" dirty="0"/>
+              <a:rPr lang="en-US"/>
             </a:br>
             <a:r>
-              <a:rPr lang="en-US" sz="3600" dirty="0" smtClean="0"/>
-              <a:t>(Measurement Skills Day 09)</a:t>
+              <a:rPr lang="en-US" sz="3600"/>
+              <a:t>(Electricity &amp; Magnetism Day 02)</a:t>
             </a:r>
             <a:endParaRPr lang="en-US" sz="3600" dirty="0"/>
           </a:p>
@@ -3115,45 +3111,38 @@
           <a:p>
             <a:pPr lvl="1"/>
             <a:r>
-              <a:rPr lang="en-US" sz="2600" dirty="0" smtClean="0"/>
+              <a:rPr lang="en-US" sz="2600" dirty="0"/>
               <a:t>Textbook PDFs (Softcopy)</a:t>
             </a:r>
           </a:p>
           <a:p>
             <a:pPr lvl="2"/>
             <a:r>
-              <a:rPr lang="en-CA" sz="2200" smtClean="0"/>
+              <a:rPr lang="en-CA" sz="2200"/>
               <a:t>Google Classroom</a:t>
             </a:r>
-            <a:endParaRPr lang="en-US" sz="2200" smtClean="0"/>
+            <a:endParaRPr lang="en-US" sz="2200"/>
           </a:p>
           <a:p>
             <a:pPr lvl="1"/>
             <a:r>
-              <a:rPr lang="en-US" sz="2600" dirty="0" smtClean="0"/>
-              <a:t>Ohm's </a:t>
-            </a:r>
-            <a:r>
-              <a:rPr lang="en-US" sz="2600" dirty="0" smtClean="0"/>
-              <a:t>Law Lab</a:t>
-            </a:r>
-            <a:endParaRPr lang="en-US" sz="2600" dirty="0"/>
+              <a:rPr lang="en-US" sz="2600" dirty="0"/>
+              <a:t>Ohm's Law Lab</a:t>
+            </a:r>
           </a:p>
           <a:p>
             <a:pPr lvl="2"/>
             <a:r>
-              <a:rPr lang="en-CA" sz="2200" dirty="0" smtClean="0"/>
+              <a:rPr lang="en-CA" sz="2200" dirty="0"/>
               <a:t>Today: Collect Data / Begin Analysis</a:t>
             </a:r>
-            <a:endParaRPr lang="en-CA" sz="2200" dirty="0"/>
           </a:p>
           <a:p>
             <a:pPr lvl="2"/>
             <a:r>
-              <a:rPr lang="en-CA" sz="2200" dirty="0" smtClean="0"/>
+              <a:rPr lang="en-CA" sz="2200" dirty="0"/>
               <a:t>Due: </a:t>
             </a:r>
-            <a:endParaRPr lang="en-CA" sz="2200" dirty="0"/>
           </a:p>
           <a:p>
             <a:pPr lvl="1">
@@ -3170,7 +3159,7 @@
           <a:p>
             <a:pPr lvl="1"/>
             <a:r>
-              <a:rPr lang="en-CA" sz="2400" dirty="0" smtClean="0"/>
+              <a:rPr lang="en-CA" sz="2400" dirty="0"/>
               <a:t>Ohms Law Lab (Full Lab Report)</a:t>
             </a:r>
             <a:endParaRPr lang="en-US" sz="2400" dirty="0"/>
@@ -3182,13 +3171,6 @@
   <p:clrMapOvr>
     <a:masterClrMapping/>
   </p:clrMapOvr>
-  <p:timing>
-    <p:tnLst>
-      <p:par>
-        <p:cTn id="1" dur="indefinite" restart="never" nodeType="tmRoot"/>
-      </p:par>
-    </p:tnLst>
-  </p:timing>
 </p:sld>
 </file>
 
